--- a/Oirearviohack-Tieto-Pitch-Day1.pptx
+++ b/Oirearviohack-Tieto-Pitch-Day1.pptx
@@ -10846,93 +10846,6 @@
       </p:grpSpPr>
       <p:sp>
         <p:nvSpPr>
-          <p:cNvPr id="16" name="Rectangle 15"/>
-          <p:cNvSpPr/>
-          <p:nvPr/>
-        </p:nvSpPr>
-        <p:spPr bwMode="auto">
-          <a:xfrm>
-            <a:off x="189653" y="907627"/>
-            <a:ext cx="6339840" cy="2689013"/>
-          </a:xfrm>
-          <a:prstGeom prst="rect">
-            <a:avLst/>
-          </a:prstGeom>
-          <a:gradFill flip="none" rotWithShape="1">
-            <a:gsLst>
-              <a:gs pos="0">
-                <a:srgbClr val="FFFF00">
-                  <a:shade val="30000"/>
-                  <a:satMod val="115000"/>
-                </a:srgbClr>
-              </a:gs>
-              <a:gs pos="50000">
-                <a:srgbClr val="FFFF00">
-                  <a:shade val="67500"/>
-                  <a:satMod val="115000"/>
-                </a:srgbClr>
-              </a:gs>
-              <a:gs pos="100000">
-                <a:srgbClr val="FFFF00">
-                  <a:shade val="100000"/>
-                  <a:satMod val="115000"/>
-                </a:srgbClr>
-              </a:gs>
-            </a:gsLst>
-            <a:lin ang="0" scaled="1"/>
-            <a:tileRect/>
-          </a:gradFill>
-          <a:ln w="9525" cap="flat" cmpd="sng" algn="ctr">
-            <a:noFill/>
-            <a:prstDash val="solid"/>
-            <a:round/>
-            <a:headEnd type="none" w="med" len="med"/>
-            <a:tailEnd type="none" w="med" len="med"/>
-          </a:ln>
-          <a:effectLst/>
-        </p:spPr>
-        <p:txBody>
-          <a:bodyPr vert="horz" wrap="square" lIns="91440" tIns="45720" rIns="91440" bIns="45720" numCol="1" rtlCol="0" anchor="ctr" anchorCtr="0" compatLnSpc="1">
-            <a:prstTxWarp prst="textNoShape">
-              <a:avLst/>
-            </a:prstTxWarp>
-          </a:bodyPr>
-          <a:lstStyle/>
-          <a:p>
-            <a:pPr marL="0" marR="0" indent="0" algn="ctr" defTabSz="914400" rtl="0" eaLnBrk="1" fontAlgn="base" latinLnBrk="0" hangingPunct="1">
-              <a:lnSpc>
-                <a:spcPct val="100000"/>
-              </a:lnSpc>
-              <a:spcBef>
-                <a:spcPct val="0"/>
-              </a:spcBef>
-              <a:spcAft>
-                <a:spcPct val="0"/>
-              </a:spcAft>
-              <a:buClrTx/>
-              <a:buSzTx/>
-              <a:buFontTx/>
-              <a:buNone/>
-              <a:tabLst/>
-            </a:pPr>
-            <a:r>
-              <a:rPr kumimoji="0" lang="fi-FI" sz="1600" b="0" i="0" u="none" strike="noStrike" cap="none" normalizeH="0" baseline="0" dirty="0" smtClean="0">
-                <a:ln>
-                  <a:noFill/>
-                </a:ln>
-                <a:solidFill>
-                  <a:srgbClr val="FFFFFF"/>
-                </a:solidFill>
-                <a:effectLst/>
-                <a:latin typeface="Arial" charset="0"/>
-              </a:rPr>
-              <a:t>OD</a:t>
-            </a:r>
-          </a:p>
-        </p:txBody>
-      </p:sp>
-      <p:sp>
-        <p:nvSpPr>
           <p:cNvPr id="4" name="Title 3"/>
           <p:cNvSpPr>
             <a:spLocks noGrp="1"/>
@@ -10960,11 +10873,7 @@
             </a:r>
             <a:r>
               <a:rPr lang="fi-FI" sz="2000" dirty="0" smtClean="0"/>
-              <a:t>elämään </a:t>
-            </a:r>
-            <a:r>
-              <a:rPr lang="fi-FI" sz="2000" dirty="0" smtClean="0"/>
-              <a:t>- Kansalaisen </a:t>
+              <a:t>elämään - Kansalaisen </a:t>
             </a:r>
             <a:r>
               <a:rPr lang="fi-FI" sz="2000" dirty="0"/>
@@ -12338,9 +12247,7 @@
       <p:cxnSp>
         <p:nvCxnSpPr>
           <p:cNvPr id="44" name="Straight Arrow Connector 43"/>
-          <p:cNvCxnSpPr>
-            <a:stCxn id="16" idx="2"/>
-          </p:cNvCxnSpPr>
+          <p:cNvCxnSpPr/>
           <p:nvPr/>
         </p:nvCxnSpPr>
         <p:spPr bwMode="auto">
@@ -12395,44 +12302,6 @@
           <a:effectLst/>
         </p:spPr>
       </p:cxnSp>
-      <p:sp>
-        <p:nvSpPr>
-          <p:cNvPr id="30" name="TextBox 29"/>
-          <p:cNvSpPr txBox="1"/>
-          <p:nvPr/>
-        </p:nvSpPr>
-        <p:spPr>
-          <a:xfrm>
-            <a:off x="2508501" y="935332"/>
-            <a:ext cx="639919" cy="338554"/>
-          </a:xfrm>
-          <a:prstGeom prst="rect">
-            <a:avLst/>
-          </a:prstGeom>
-          <a:noFill/>
-        </p:spPr>
-        <p:txBody>
-          <a:bodyPr wrap="none" rtlCol="0">
-            <a:spAutoFit/>
-          </a:bodyPr>
-          <a:lstStyle/>
-          <a:p>
-            <a:r>
-              <a:rPr lang="fi-FI" sz="1600" b="1" dirty="0" smtClean="0">
-                <a:solidFill>
-                  <a:srgbClr val="FF0000"/>
-                </a:solidFill>
-              </a:rPr>
-              <a:t>ODA</a:t>
-            </a:r>
-            <a:endParaRPr lang="fi-FI" sz="1600" b="1" dirty="0">
-              <a:solidFill>
-                <a:srgbClr val="FF0000"/>
-              </a:solidFill>
-            </a:endParaRPr>
-          </a:p>
-        </p:txBody>
-      </p:sp>
       <p:sp>
         <p:nvSpPr>
           <p:cNvPr id="38" name="TextBox 37"/>
